--- a/src/morea/materials/13-dictionaries.pptx
+++ b/src/morea/materials/13-dictionaries.pptx
@@ -265,7 +265,7 @@
             <a:fld id="{26F0AA15-DA75-F04C-BBBF-C905B5F21D0A}" type="datetime1">
               <a:rPr lang="en-US"/>
               <a:pPr/>
-              <a:t>3/29/15</a:t>
+              <a:t>3/30/15</a:t>
             </a:fld>
             <a:endParaRPr lang="en-US"/>
           </a:p>
@@ -9264,13 +9264,8 @@
           <a:p>
             <a:r>
               <a:rPr lang="en-US" dirty="0" smtClean="0"/>
-              <a:t>Dr. Emily </a:t>
-            </a:r>
-            <a:r>
-              <a:rPr lang="en-US" dirty="0" smtClean="0"/>
-              <a:t>Hill</a:t>
-            </a:r>
-            <a:endParaRPr lang="en-US" dirty="0" smtClean="0"/>
+              <a:t>Dr. Emily Hill</a:t>
+            </a:r>
           </a:p>
         </p:txBody>
       </p:sp>
@@ -14231,15 +14226,7 @@
                 <a:ea typeface="ＭＳ Ｐゴシック" charset="0"/>
                 <a:cs typeface="ＭＳ Ｐゴシック" charset="0"/>
               </a:rPr>
-              <a:t>Special </a:t>
-            </a:r>
-            <a:r>
-              <a:rPr lang="en-US" dirty="0" smtClean="0">
-                <a:latin typeface="Tahoma" charset="0"/>
-                <a:ea typeface="ＭＳ Ｐゴシック" charset="0"/>
-                <a:cs typeface="ＭＳ Ｐゴシック" charset="0"/>
-              </a:rPr>
-              <a:t>Value </a:t>
+              <a:t>Special Value </a:t>
             </a:r>
             <a:r>
               <a:rPr lang="en-US" b="1" dirty="0">
@@ -14550,11 +14537,11 @@
   <p:clrMapOvr>
     <a:masterClrMapping/>
   </p:clrMapOvr>
-  <mc:AlternateContent xmlns:mc="http://schemas.openxmlformats.org/markup-compatibility/2006">
-    <mc:Choice xmlns:p14="http://schemas.microsoft.com/office/powerpoint/2010/main" Requires="p14">
+  <mc:AlternateContent xmlns:mc="http://schemas.openxmlformats.org/markup-compatibility/2006" xmlns:p14="http://schemas.microsoft.com/office/powerpoint/2010/main">
+    <mc:Choice Requires="p14">
       <p:transition spd="slow" p14:dur="2000"/>
     </mc:Choice>
-    <mc:Fallback>
+    <mc:Fallback xmlns="">
       <p:transition xmlns:p14="http://schemas.microsoft.com/office/powerpoint/2010/main" spd="slow"/>
     </mc:Fallback>
   </mc:AlternateContent>
